--- a/ppt 16-9/1240.青年献身歌.pptx
+++ b/ppt 16-9/1240.青年献身歌.pptx
@@ -129,7 +129,7 @@
           <p:cNvPr id="2" name="标题 1">
             <a:extLst>
               <a:ext uri="{FF2B5EF4-FFF2-40B4-BE49-F238E27FC236}">
-                <a16:creationId xmlns:a16="http://schemas.microsoft.com/office/drawing/2014/main" id="{87D9E95C-1C78-2FC3-76DC-89B815286B73}"/>
+                <a16:creationId xmlns:a16="http://schemas.microsoft.com/office/drawing/2014/main" id="{C70E3653-A151-BDDA-CC71-ED9CF5494899}"/>
               </a:ext>
             </a:extLst>
           </p:cNvPr>
@@ -166,7 +166,7 @@
           <p:cNvPr id="3" name="副标题 2">
             <a:extLst>
               <a:ext uri="{FF2B5EF4-FFF2-40B4-BE49-F238E27FC236}">
-                <a16:creationId xmlns:a16="http://schemas.microsoft.com/office/drawing/2014/main" id="{AEFED810-A08C-E7DA-88C2-3B23529FCFB1}"/>
+                <a16:creationId xmlns:a16="http://schemas.microsoft.com/office/drawing/2014/main" id="{C0E919C8-E02B-6265-DE1A-8382C92A5BBF}"/>
               </a:ext>
             </a:extLst>
           </p:cNvPr>
@@ -236,7 +236,7 @@
           <p:cNvPr id="4" name="日期占位符 3">
             <a:extLst>
               <a:ext uri="{FF2B5EF4-FFF2-40B4-BE49-F238E27FC236}">
-                <a16:creationId xmlns:a16="http://schemas.microsoft.com/office/drawing/2014/main" id="{266AA1CC-3B91-9EE8-8FF2-298FAAD461D4}"/>
+                <a16:creationId xmlns:a16="http://schemas.microsoft.com/office/drawing/2014/main" id="{899EC1D4-D204-DA91-2DD8-58FC59C1A7B3}"/>
               </a:ext>
             </a:extLst>
           </p:cNvPr>
@@ -252,7 +252,7 @@
           <a:bodyPr/>
           <a:lstStyle/>
           <a:p>
-            <a:fld id="{37158917-93FC-4E56-80CB-A356AFA54884}" type="datetimeFigureOut">
+            <a:fld id="{B58EE509-D6C8-41E3-9143-8EF14E39E14B}" type="datetimeFigureOut">
               <a:rPr lang="zh-CN" altLang="en-US" smtClean="0"/>
               <a:t>2024/3/10</a:t>
             </a:fld>
@@ -265,7 +265,7 @@
           <p:cNvPr id="5" name="页脚占位符 4">
             <a:extLst>
               <a:ext uri="{FF2B5EF4-FFF2-40B4-BE49-F238E27FC236}">
-                <a16:creationId xmlns:a16="http://schemas.microsoft.com/office/drawing/2014/main" id="{0B3AD5E0-6226-75A8-AB70-59B9D63CDC86}"/>
+                <a16:creationId xmlns:a16="http://schemas.microsoft.com/office/drawing/2014/main" id="{1E9860B9-11AF-5C27-1EEC-5BA3EE2EF819}"/>
               </a:ext>
             </a:extLst>
           </p:cNvPr>
@@ -290,7 +290,7 @@
           <p:cNvPr id="6" name="灯片编号占位符 5">
             <a:extLst>
               <a:ext uri="{FF2B5EF4-FFF2-40B4-BE49-F238E27FC236}">
-                <a16:creationId xmlns:a16="http://schemas.microsoft.com/office/drawing/2014/main" id="{12F67797-B849-5E2E-8701-E1338772492A}"/>
+                <a16:creationId xmlns:a16="http://schemas.microsoft.com/office/drawing/2014/main" id="{39955935-406F-E5C1-EB62-5669A86E14D6}"/>
               </a:ext>
             </a:extLst>
           </p:cNvPr>
@@ -306,7 +306,7 @@
           <a:bodyPr/>
           <a:lstStyle/>
           <a:p>
-            <a:fld id="{D0B9BC91-0463-4667-8FE7-AB07A9741207}" type="slidenum">
+            <a:fld id="{0CF09E83-30C8-45B8-9183-30BD77BE4699}" type="slidenum">
               <a:rPr lang="zh-CN" altLang="en-US" smtClean="0"/>
               <a:t>‹#›</a:t>
             </a:fld>
@@ -317,7 +317,7 @@
     </p:spTree>
     <p:extLst>
       <p:ext uri="{BB962C8B-B14F-4D97-AF65-F5344CB8AC3E}">
-        <p14:creationId xmlns:p14="http://schemas.microsoft.com/office/powerpoint/2010/main" val="909662555"/>
+        <p14:creationId xmlns:p14="http://schemas.microsoft.com/office/powerpoint/2010/main" val="905837115"/>
       </p:ext>
     </p:extLst>
   </p:cSld>
@@ -349,7 +349,7 @@
           <p:cNvPr id="2" name="标题 1">
             <a:extLst>
               <a:ext uri="{FF2B5EF4-FFF2-40B4-BE49-F238E27FC236}">
-                <a16:creationId xmlns:a16="http://schemas.microsoft.com/office/drawing/2014/main" id="{5C5F6C57-CF74-86DD-552E-59D2225153E9}"/>
+                <a16:creationId xmlns:a16="http://schemas.microsoft.com/office/drawing/2014/main" id="{5C7F39F3-0E93-8448-CC82-3B82DA721D3D}"/>
               </a:ext>
             </a:extLst>
           </p:cNvPr>
@@ -377,7 +377,7 @@
           <p:cNvPr id="3" name="竖排文字占位符 2">
             <a:extLst>
               <a:ext uri="{FF2B5EF4-FFF2-40B4-BE49-F238E27FC236}">
-                <a16:creationId xmlns:a16="http://schemas.microsoft.com/office/drawing/2014/main" id="{44DCB9A2-53FA-129B-F884-906C649681AF}"/>
+                <a16:creationId xmlns:a16="http://schemas.microsoft.com/office/drawing/2014/main" id="{67FD2BE8-0547-67FB-6131-3C83988C8EA1}"/>
               </a:ext>
             </a:extLst>
           </p:cNvPr>
@@ -434,7 +434,7 @@
           <p:cNvPr id="4" name="日期占位符 3">
             <a:extLst>
               <a:ext uri="{FF2B5EF4-FFF2-40B4-BE49-F238E27FC236}">
-                <a16:creationId xmlns:a16="http://schemas.microsoft.com/office/drawing/2014/main" id="{75F7F297-1206-18B5-224A-F7DE205EFC1D}"/>
+                <a16:creationId xmlns:a16="http://schemas.microsoft.com/office/drawing/2014/main" id="{27561C6A-E440-57FF-B7ED-2CBEC0F048AA}"/>
               </a:ext>
             </a:extLst>
           </p:cNvPr>
@@ -450,7 +450,7 @@
           <a:bodyPr/>
           <a:lstStyle/>
           <a:p>
-            <a:fld id="{37158917-93FC-4E56-80CB-A356AFA54884}" type="datetimeFigureOut">
+            <a:fld id="{B58EE509-D6C8-41E3-9143-8EF14E39E14B}" type="datetimeFigureOut">
               <a:rPr lang="zh-CN" altLang="en-US" smtClean="0"/>
               <a:t>2024/3/10</a:t>
             </a:fld>
@@ -463,7 +463,7 @@
           <p:cNvPr id="5" name="页脚占位符 4">
             <a:extLst>
               <a:ext uri="{FF2B5EF4-FFF2-40B4-BE49-F238E27FC236}">
-                <a16:creationId xmlns:a16="http://schemas.microsoft.com/office/drawing/2014/main" id="{0662BBBD-7CE5-7EB8-07FC-D455381A15D7}"/>
+                <a16:creationId xmlns:a16="http://schemas.microsoft.com/office/drawing/2014/main" id="{D3D150C7-BF39-4652-4417-4C0310CDBD93}"/>
               </a:ext>
             </a:extLst>
           </p:cNvPr>
@@ -488,7 +488,7 @@
           <p:cNvPr id="6" name="灯片编号占位符 5">
             <a:extLst>
               <a:ext uri="{FF2B5EF4-FFF2-40B4-BE49-F238E27FC236}">
-                <a16:creationId xmlns:a16="http://schemas.microsoft.com/office/drawing/2014/main" id="{7091772B-90BA-0FC4-8096-4DE15C38D5AC}"/>
+                <a16:creationId xmlns:a16="http://schemas.microsoft.com/office/drawing/2014/main" id="{8A157668-93CA-B5DE-0E98-08B0D3B330D6}"/>
               </a:ext>
             </a:extLst>
           </p:cNvPr>
@@ -504,7 +504,7 @@
           <a:bodyPr/>
           <a:lstStyle/>
           <a:p>
-            <a:fld id="{D0B9BC91-0463-4667-8FE7-AB07A9741207}" type="slidenum">
+            <a:fld id="{0CF09E83-30C8-45B8-9183-30BD77BE4699}" type="slidenum">
               <a:rPr lang="zh-CN" altLang="en-US" smtClean="0"/>
               <a:t>‹#›</a:t>
             </a:fld>
@@ -515,7 +515,7 @@
     </p:spTree>
     <p:extLst>
       <p:ext uri="{BB962C8B-B14F-4D97-AF65-F5344CB8AC3E}">
-        <p14:creationId xmlns:p14="http://schemas.microsoft.com/office/powerpoint/2010/main" val="1136314499"/>
+        <p14:creationId xmlns:p14="http://schemas.microsoft.com/office/powerpoint/2010/main" val="852559014"/>
       </p:ext>
     </p:extLst>
   </p:cSld>
@@ -547,7 +547,7 @@
           <p:cNvPr id="2" name="竖排标题 1">
             <a:extLst>
               <a:ext uri="{FF2B5EF4-FFF2-40B4-BE49-F238E27FC236}">
-                <a16:creationId xmlns:a16="http://schemas.microsoft.com/office/drawing/2014/main" id="{2FD88B59-649E-D5C0-CC0F-E74D1E63A72B}"/>
+                <a16:creationId xmlns:a16="http://schemas.microsoft.com/office/drawing/2014/main" id="{90082FC2-26FB-6D5E-4A70-F71CD64815ED}"/>
               </a:ext>
             </a:extLst>
           </p:cNvPr>
@@ -580,7 +580,7 @@
           <p:cNvPr id="3" name="竖排文字占位符 2">
             <a:extLst>
               <a:ext uri="{FF2B5EF4-FFF2-40B4-BE49-F238E27FC236}">
-                <a16:creationId xmlns:a16="http://schemas.microsoft.com/office/drawing/2014/main" id="{A5633226-ED32-FD66-F18D-58FDF53B095E}"/>
+                <a16:creationId xmlns:a16="http://schemas.microsoft.com/office/drawing/2014/main" id="{1635025E-FD10-9E90-684A-56A65154C70F}"/>
               </a:ext>
             </a:extLst>
           </p:cNvPr>
@@ -642,7 +642,7 @@
           <p:cNvPr id="4" name="日期占位符 3">
             <a:extLst>
               <a:ext uri="{FF2B5EF4-FFF2-40B4-BE49-F238E27FC236}">
-                <a16:creationId xmlns:a16="http://schemas.microsoft.com/office/drawing/2014/main" id="{1CB72975-DD05-666E-C042-640309D012B3}"/>
+                <a16:creationId xmlns:a16="http://schemas.microsoft.com/office/drawing/2014/main" id="{0091C5F5-1D7B-FD66-4A26-7242E043E6F6}"/>
               </a:ext>
             </a:extLst>
           </p:cNvPr>
@@ -658,7 +658,7 @@
           <a:bodyPr/>
           <a:lstStyle/>
           <a:p>
-            <a:fld id="{37158917-93FC-4E56-80CB-A356AFA54884}" type="datetimeFigureOut">
+            <a:fld id="{B58EE509-D6C8-41E3-9143-8EF14E39E14B}" type="datetimeFigureOut">
               <a:rPr lang="zh-CN" altLang="en-US" smtClean="0"/>
               <a:t>2024/3/10</a:t>
             </a:fld>
@@ -671,7 +671,7 @@
           <p:cNvPr id="5" name="页脚占位符 4">
             <a:extLst>
               <a:ext uri="{FF2B5EF4-FFF2-40B4-BE49-F238E27FC236}">
-                <a16:creationId xmlns:a16="http://schemas.microsoft.com/office/drawing/2014/main" id="{A031AFD0-36D7-56BA-762E-A5E612156DF1}"/>
+                <a16:creationId xmlns:a16="http://schemas.microsoft.com/office/drawing/2014/main" id="{D7CE38D0-8ADA-62E9-3326-3C36DE21F4DA}"/>
               </a:ext>
             </a:extLst>
           </p:cNvPr>
@@ -696,7 +696,7 @@
           <p:cNvPr id="6" name="灯片编号占位符 5">
             <a:extLst>
               <a:ext uri="{FF2B5EF4-FFF2-40B4-BE49-F238E27FC236}">
-                <a16:creationId xmlns:a16="http://schemas.microsoft.com/office/drawing/2014/main" id="{34AEC6B6-F2BE-8C06-F57A-6746D7ECD623}"/>
+                <a16:creationId xmlns:a16="http://schemas.microsoft.com/office/drawing/2014/main" id="{C020602A-52CA-3A3E-208C-C15B05A23F09}"/>
               </a:ext>
             </a:extLst>
           </p:cNvPr>
@@ -712,7 +712,7 @@
           <a:bodyPr/>
           <a:lstStyle/>
           <a:p>
-            <a:fld id="{D0B9BC91-0463-4667-8FE7-AB07A9741207}" type="slidenum">
+            <a:fld id="{0CF09E83-30C8-45B8-9183-30BD77BE4699}" type="slidenum">
               <a:rPr lang="zh-CN" altLang="en-US" smtClean="0"/>
               <a:t>‹#›</a:t>
             </a:fld>
@@ -723,7 +723,7 @@
     </p:spTree>
     <p:extLst>
       <p:ext uri="{BB962C8B-B14F-4D97-AF65-F5344CB8AC3E}">
-        <p14:creationId xmlns:p14="http://schemas.microsoft.com/office/powerpoint/2010/main" val="1878402444"/>
+        <p14:creationId xmlns:p14="http://schemas.microsoft.com/office/powerpoint/2010/main" val="322621502"/>
       </p:ext>
     </p:extLst>
   </p:cSld>
@@ -755,7 +755,7 @@
           <p:cNvPr id="2" name="标题 1">
             <a:extLst>
               <a:ext uri="{FF2B5EF4-FFF2-40B4-BE49-F238E27FC236}">
-                <a16:creationId xmlns:a16="http://schemas.microsoft.com/office/drawing/2014/main" id="{56F3A1FC-4480-892E-C48E-DA204E0831A7}"/>
+                <a16:creationId xmlns:a16="http://schemas.microsoft.com/office/drawing/2014/main" id="{85726FCA-A8EB-841D-569F-5F442CFE116A}"/>
               </a:ext>
             </a:extLst>
           </p:cNvPr>
@@ -783,7 +783,7 @@
           <p:cNvPr id="3" name="内容占位符 2">
             <a:extLst>
               <a:ext uri="{FF2B5EF4-FFF2-40B4-BE49-F238E27FC236}">
-                <a16:creationId xmlns:a16="http://schemas.microsoft.com/office/drawing/2014/main" id="{D7316E33-A6B1-D920-DC43-C6DC49991BC1}"/>
+                <a16:creationId xmlns:a16="http://schemas.microsoft.com/office/drawing/2014/main" id="{E5B6B14E-3B9D-3F0F-91E4-AE8D65BFFD76}"/>
               </a:ext>
             </a:extLst>
           </p:cNvPr>
@@ -840,7 +840,7 @@
           <p:cNvPr id="4" name="日期占位符 3">
             <a:extLst>
               <a:ext uri="{FF2B5EF4-FFF2-40B4-BE49-F238E27FC236}">
-                <a16:creationId xmlns:a16="http://schemas.microsoft.com/office/drawing/2014/main" id="{492EAF99-F1EF-1C95-937D-F9AE24C892FD}"/>
+                <a16:creationId xmlns:a16="http://schemas.microsoft.com/office/drawing/2014/main" id="{0C085E43-E502-0FEF-AD99-2798A5143263}"/>
               </a:ext>
             </a:extLst>
           </p:cNvPr>
@@ -856,7 +856,7 @@
           <a:bodyPr/>
           <a:lstStyle/>
           <a:p>
-            <a:fld id="{37158917-93FC-4E56-80CB-A356AFA54884}" type="datetimeFigureOut">
+            <a:fld id="{B58EE509-D6C8-41E3-9143-8EF14E39E14B}" type="datetimeFigureOut">
               <a:rPr lang="zh-CN" altLang="en-US" smtClean="0"/>
               <a:t>2024/3/10</a:t>
             </a:fld>
@@ -869,7 +869,7 @@
           <p:cNvPr id="5" name="页脚占位符 4">
             <a:extLst>
               <a:ext uri="{FF2B5EF4-FFF2-40B4-BE49-F238E27FC236}">
-                <a16:creationId xmlns:a16="http://schemas.microsoft.com/office/drawing/2014/main" id="{82D089DF-E2B1-98EE-2EDA-79D47527E05C}"/>
+                <a16:creationId xmlns:a16="http://schemas.microsoft.com/office/drawing/2014/main" id="{352A861D-D8C6-CEA3-598F-7E4824657DE4}"/>
               </a:ext>
             </a:extLst>
           </p:cNvPr>
@@ -894,7 +894,7 @@
           <p:cNvPr id="6" name="灯片编号占位符 5">
             <a:extLst>
               <a:ext uri="{FF2B5EF4-FFF2-40B4-BE49-F238E27FC236}">
-                <a16:creationId xmlns:a16="http://schemas.microsoft.com/office/drawing/2014/main" id="{A7BB684F-7395-111F-BDB8-2E8B99539EA3}"/>
+                <a16:creationId xmlns:a16="http://schemas.microsoft.com/office/drawing/2014/main" id="{52B663ED-BC1D-4583-0A29-4CD1A966B7C2}"/>
               </a:ext>
             </a:extLst>
           </p:cNvPr>
@@ -910,7 +910,7 @@
           <a:bodyPr/>
           <a:lstStyle/>
           <a:p>
-            <a:fld id="{D0B9BC91-0463-4667-8FE7-AB07A9741207}" type="slidenum">
+            <a:fld id="{0CF09E83-30C8-45B8-9183-30BD77BE4699}" type="slidenum">
               <a:rPr lang="zh-CN" altLang="en-US" smtClean="0"/>
               <a:t>‹#›</a:t>
             </a:fld>
@@ -921,7 +921,7 @@
     </p:spTree>
     <p:extLst>
       <p:ext uri="{BB962C8B-B14F-4D97-AF65-F5344CB8AC3E}">
-        <p14:creationId xmlns:p14="http://schemas.microsoft.com/office/powerpoint/2010/main" val="4264497695"/>
+        <p14:creationId xmlns:p14="http://schemas.microsoft.com/office/powerpoint/2010/main" val="2565259172"/>
       </p:ext>
     </p:extLst>
   </p:cSld>
@@ -953,7 +953,7 @@
           <p:cNvPr id="2" name="标题 1">
             <a:extLst>
               <a:ext uri="{FF2B5EF4-FFF2-40B4-BE49-F238E27FC236}">
-                <a16:creationId xmlns:a16="http://schemas.microsoft.com/office/drawing/2014/main" id="{696C7CD3-6624-E2B2-95BA-D57A5026C209}"/>
+                <a16:creationId xmlns:a16="http://schemas.microsoft.com/office/drawing/2014/main" id="{2A264599-74CE-325D-6709-40A5BA3C8A20}"/>
               </a:ext>
             </a:extLst>
           </p:cNvPr>
@@ -990,7 +990,7 @@
           <p:cNvPr id="3" name="文本占位符 2">
             <a:extLst>
               <a:ext uri="{FF2B5EF4-FFF2-40B4-BE49-F238E27FC236}">
-                <a16:creationId xmlns:a16="http://schemas.microsoft.com/office/drawing/2014/main" id="{FEC10A16-93A8-2774-6DB1-95FACBE07A23}"/>
+                <a16:creationId xmlns:a16="http://schemas.microsoft.com/office/drawing/2014/main" id="{6C0023EF-77B7-5C6E-2C55-E858CBF26A84}"/>
               </a:ext>
             </a:extLst>
           </p:cNvPr>
@@ -1115,7 +1115,7 @@
           <p:cNvPr id="4" name="日期占位符 3">
             <a:extLst>
               <a:ext uri="{FF2B5EF4-FFF2-40B4-BE49-F238E27FC236}">
-                <a16:creationId xmlns:a16="http://schemas.microsoft.com/office/drawing/2014/main" id="{10B22FBD-29C2-A631-72EE-E1DE6164DD97}"/>
+                <a16:creationId xmlns:a16="http://schemas.microsoft.com/office/drawing/2014/main" id="{F632AC2E-A587-75DB-C2E3-0EC0A2569DD3}"/>
               </a:ext>
             </a:extLst>
           </p:cNvPr>
@@ -1131,7 +1131,7 @@
           <a:bodyPr/>
           <a:lstStyle/>
           <a:p>
-            <a:fld id="{37158917-93FC-4E56-80CB-A356AFA54884}" type="datetimeFigureOut">
+            <a:fld id="{B58EE509-D6C8-41E3-9143-8EF14E39E14B}" type="datetimeFigureOut">
               <a:rPr lang="zh-CN" altLang="en-US" smtClean="0"/>
               <a:t>2024/3/10</a:t>
             </a:fld>
@@ -1144,7 +1144,7 @@
           <p:cNvPr id="5" name="页脚占位符 4">
             <a:extLst>
               <a:ext uri="{FF2B5EF4-FFF2-40B4-BE49-F238E27FC236}">
-                <a16:creationId xmlns:a16="http://schemas.microsoft.com/office/drawing/2014/main" id="{8224ADB3-512F-59AF-5A66-78F4AB0766EB}"/>
+                <a16:creationId xmlns:a16="http://schemas.microsoft.com/office/drawing/2014/main" id="{8DB0BEC4-AF3C-5C72-0D7D-D5520557E798}"/>
               </a:ext>
             </a:extLst>
           </p:cNvPr>
@@ -1169,7 +1169,7 @@
           <p:cNvPr id="6" name="灯片编号占位符 5">
             <a:extLst>
               <a:ext uri="{FF2B5EF4-FFF2-40B4-BE49-F238E27FC236}">
-                <a16:creationId xmlns:a16="http://schemas.microsoft.com/office/drawing/2014/main" id="{BDEB44DE-1DB4-05DC-1027-915B45EC2C05}"/>
+                <a16:creationId xmlns:a16="http://schemas.microsoft.com/office/drawing/2014/main" id="{172C2909-3D15-669B-2F52-9D94C6352C2C}"/>
               </a:ext>
             </a:extLst>
           </p:cNvPr>
@@ -1185,7 +1185,7 @@
           <a:bodyPr/>
           <a:lstStyle/>
           <a:p>
-            <a:fld id="{D0B9BC91-0463-4667-8FE7-AB07A9741207}" type="slidenum">
+            <a:fld id="{0CF09E83-30C8-45B8-9183-30BD77BE4699}" type="slidenum">
               <a:rPr lang="zh-CN" altLang="en-US" smtClean="0"/>
               <a:t>‹#›</a:t>
             </a:fld>
@@ -1196,7 +1196,7 @@
     </p:spTree>
     <p:extLst>
       <p:ext uri="{BB962C8B-B14F-4D97-AF65-F5344CB8AC3E}">
-        <p14:creationId xmlns:p14="http://schemas.microsoft.com/office/powerpoint/2010/main" val="3235282172"/>
+        <p14:creationId xmlns:p14="http://schemas.microsoft.com/office/powerpoint/2010/main" val="109360058"/>
       </p:ext>
     </p:extLst>
   </p:cSld>
@@ -1228,7 +1228,7 @@
           <p:cNvPr id="2" name="标题 1">
             <a:extLst>
               <a:ext uri="{FF2B5EF4-FFF2-40B4-BE49-F238E27FC236}">
-                <a16:creationId xmlns:a16="http://schemas.microsoft.com/office/drawing/2014/main" id="{E0F03195-B964-C5B8-0FD9-75C6C168C964}"/>
+                <a16:creationId xmlns:a16="http://schemas.microsoft.com/office/drawing/2014/main" id="{902C2C89-529B-99AD-FB23-354A37E2699F}"/>
               </a:ext>
             </a:extLst>
           </p:cNvPr>
@@ -1256,7 +1256,7 @@
           <p:cNvPr id="3" name="内容占位符 2">
             <a:extLst>
               <a:ext uri="{FF2B5EF4-FFF2-40B4-BE49-F238E27FC236}">
-                <a16:creationId xmlns:a16="http://schemas.microsoft.com/office/drawing/2014/main" id="{194269B3-554E-D75C-8C2A-77E113F477AD}"/>
+                <a16:creationId xmlns:a16="http://schemas.microsoft.com/office/drawing/2014/main" id="{7FD87E94-CB14-74F9-3E26-F8AD0A22DE0F}"/>
               </a:ext>
             </a:extLst>
           </p:cNvPr>
@@ -1318,7 +1318,7 @@
           <p:cNvPr id="4" name="内容占位符 3">
             <a:extLst>
               <a:ext uri="{FF2B5EF4-FFF2-40B4-BE49-F238E27FC236}">
-                <a16:creationId xmlns:a16="http://schemas.microsoft.com/office/drawing/2014/main" id="{EBBEC7AA-85CB-591A-95E0-546C15BBF32C}"/>
+                <a16:creationId xmlns:a16="http://schemas.microsoft.com/office/drawing/2014/main" id="{5FD82498-3F10-7678-E3D5-975539597B38}"/>
               </a:ext>
             </a:extLst>
           </p:cNvPr>
@@ -1380,7 +1380,7 @@
           <p:cNvPr id="5" name="日期占位符 4">
             <a:extLst>
               <a:ext uri="{FF2B5EF4-FFF2-40B4-BE49-F238E27FC236}">
-                <a16:creationId xmlns:a16="http://schemas.microsoft.com/office/drawing/2014/main" id="{1B8BAFDC-ECF1-3ADD-D202-A5E939D340A8}"/>
+                <a16:creationId xmlns:a16="http://schemas.microsoft.com/office/drawing/2014/main" id="{60C5A7D4-EB3B-F4B5-9257-16B869A240CF}"/>
               </a:ext>
             </a:extLst>
           </p:cNvPr>
@@ -1396,7 +1396,7 @@
           <a:bodyPr/>
           <a:lstStyle/>
           <a:p>
-            <a:fld id="{37158917-93FC-4E56-80CB-A356AFA54884}" type="datetimeFigureOut">
+            <a:fld id="{B58EE509-D6C8-41E3-9143-8EF14E39E14B}" type="datetimeFigureOut">
               <a:rPr lang="zh-CN" altLang="en-US" smtClean="0"/>
               <a:t>2024/3/10</a:t>
             </a:fld>
@@ -1409,7 +1409,7 @@
           <p:cNvPr id="6" name="页脚占位符 5">
             <a:extLst>
               <a:ext uri="{FF2B5EF4-FFF2-40B4-BE49-F238E27FC236}">
-                <a16:creationId xmlns:a16="http://schemas.microsoft.com/office/drawing/2014/main" id="{3714CF61-5608-436A-95C1-E353322D7157}"/>
+                <a16:creationId xmlns:a16="http://schemas.microsoft.com/office/drawing/2014/main" id="{961B4FF7-A1B1-6DA0-0279-203250BFF73C}"/>
               </a:ext>
             </a:extLst>
           </p:cNvPr>
@@ -1434,7 +1434,7 @@
           <p:cNvPr id="7" name="灯片编号占位符 6">
             <a:extLst>
               <a:ext uri="{FF2B5EF4-FFF2-40B4-BE49-F238E27FC236}">
-                <a16:creationId xmlns:a16="http://schemas.microsoft.com/office/drawing/2014/main" id="{D460A05D-F953-2D94-8B0B-4A0D3C2D6813}"/>
+                <a16:creationId xmlns:a16="http://schemas.microsoft.com/office/drawing/2014/main" id="{D80929F2-AA9C-DE48-84F1-F04FADF30CF9}"/>
               </a:ext>
             </a:extLst>
           </p:cNvPr>
@@ -1450,7 +1450,7 @@
           <a:bodyPr/>
           <a:lstStyle/>
           <a:p>
-            <a:fld id="{D0B9BC91-0463-4667-8FE7-AB07A9741207}" type="slidenum">
+            <a:fld id="{0CF09E83-30C8-45B8-9183-30BD77BE4699}" type="slidenum">
               <a:rPr lang="zh-CN" altLang="en-US" smtClean="0"/>
               <a:t>‹#›</a:t>
             </a:fld>
@@ -1461,7 +1461,7 @@
     </p:spTree>
     <p:extLst>
       <p:ext uri="{BB962C8B-B14F-4D97-AF65-F5344CB8AC3E}">
-        <p14:creationId xmlns:p14="http://schemas.microsoft.com/office/powerpoint/2010/main" val="2517318003"/>
+        <p14:creationId xmlns:p14="http://schemas.microsoft.com/office/powerpoint/2010/main" val="2046692269"/>
       </p:ext>
     </p:extLst>
   </p:cSld>
@@ -1493,7 +1493,7 @@
           <p:cNvPr id="2" name="标题 1">
             <a:extLst>
               <a:ext uri="{FF2B5EF4-FFF2-40B4-BE49-F238E27FC236}">
-                <a16:creationId xmlns:a16="http://schemas.microsoft.com/office/drawing/2014/main" id="{3899D5AC-FECA-BDBA-CFED-D400A3FE5BC6}"/>
+                <a16:creationId xmlns:a16="http://schemas.microsoft.com/office/drawing/2014/main" id="{7089C0EF-D786-DECA-7F3D-9A1FAA86336F}"/>
               </a:ext>
             </a:extLst>
           </p:cNvPr>
@@ -1526,7 +1526,7 @@
           <p:cNvPr id="3" name="文本占位符 2">
             <a:extLst>
               <a:ext uri="{FF2B5EF4-FFF2-40B4-BE49-F238E27FC236}">
-                <a16:creationId xmlns:a16="http://schemas.microsoft.com/office/drawing/2014/main" id="{838B0519-59AB-F5C0-BDFF-AC3964F536D2}"/>
+                <a16:creationId xmlns:a16="http://schemas.microsoft.com/office/drawing/2014/main" id="{37E9D847-1073-1960-AF06-EB3E1BE4E65B}"/>
               </a:ext>
             </a:extLst>
           </p:cNvPr>
@@ -1597,7 +1597,7 @@
           <p:cNvPr id="4" name="内容占位符 3">
             <a:extLst>
               <a:ext uri="{FF2B5EF4-FFF2-40B4-BE49-F238E27FC236}">
-                <a16:creationId xmlns:a16="http://schemas.microsoft.com/office/drawing/2014/main" id="{C77CF6E6-829F-AD0D-C882-A00575EFD946}"/>
+                <a16:creationId xmlns:a16="http://schemas.microsoft.com/office/drawing/2014/main" id="{7F1EB223-E67C-7FA5-F3C9-4D34ADFC64CD}"/>
               </a:ext>
             </a:extLst>
           </p:cNvPr>
@@ -1659,7 +1659,7 @@
           <p:cNvPr id="5" name="文本占位符 4">
             <a:extLst>
               <a:ext uri="{FF2B5EF4-FFF2-40B4-BE49-F238E27FC236}">
-                <a16:creationId xmlns:a16="http://schemas.microsoft.com/office/drawing/2014/main" id="{75B9F8D1-CC85-D74A-94EB-25F463218E4B}"/>
+                <a16:creationId xmlns:a16="http://schemas.microsoft.com/office/drawing/2014/main" id="{A2482181-8F7D-7DB7-8B5A-A65EBF6851C1}"/>
               </a:ext>
             </a:extLst>
           </p:cNvPr>
@@ -1730,7 +1730,7 @@
           <p:cNvPr id="6" name="内容占位符 5">
             <a:extLst>
               <a:ext uri="{FF2B5EF4-FFF2-40B4-BE49-F238E27FC236}">
-                <a16:creationId xmlns:a16="http://schemas.microsoft.com/office/drawing/2014/main" id="{29492BDC-CB81-DDF5-9A26-6C68F8B7B5E6}"/>
+                <a16:creationId xmlns:a16="http://schemas.microsoft.com/office/drawing/2014/main" id="{85289A0A-4B01-7216-B40B-BC4B51EFD0C2}"/>
               </a:ext>
             </a:extLst>
           </p:cNvPr>
@@ -1792,7 +1792,7 @@
           <p:cNvPr id="7" name="日期占位符 6">
             <a:extLst>
               <a:ext uri="{FF2B5EF4-FFF2-40B4-BE49-F238E27FC236}">
-                <a16:creationId xmlns:a16="http://schemas.microsoft.com/office/drawing/2014/main" id="{00CD27F6-81F3-E1A5-FB56-E9C0E8D012DC}"/>
+                <a16:creationId xmlns:a16="http://schemas.microsoft.com/office/drawing/2014/main" id="{3009EFC6-F807-7B64-D52B-54A1FEB2D114}"/>
               </a:ext>
             </a:extLst>
           </p:cNvPr>
@@ -1808,7 +1808,7 @@
           <a:bodyPr/>
           <a:lstStyle/>
           <a:p>
-            <a:fld id="{37158917-93FC-4E56-80CB-A356AFA54884}" type="datetimeFigureOut">
+            <a:fld id="{B58EE509-D6C8-41E3-9143-8EF14E39E14B}" type="datetimeFigureOut">
               <a:rPr lang="zh-CN" altLang="en-US" smtClean="0"/>
               <a:t>2024/3/10</a:t>
             </a:fld>
@@ -1821,7 +1821,7 @@
           <p:cNvPr id="8" name="页脚占位符 7">
             <a:extLst>
               <a:ext uri="{FF2B5EF4-FFF2-40B4-BE49-F238E27FC236}">
-                <a16:creationId xmlns:a16="http://schemas.microsoft.com/office/drawing/2014/main" id="{5B218E93-034F-96D7-FF4A-F9D49C7CC78D}"/>
+                <a16:creationId xmlns:a16="http://schemas.microsoft.com/office/drawing/2014/main" id="{E8B3AB0C-F7E3-75FC-EE4A-2A0E7DE9377C}"/>
               </a:ext>
             </a:extLst>
           </p:cNvPr>
@@ -1846,7 +1846,7 @@
           <p:cNvPr id="9" name="灯片编号占位符 8">
             <a:extLst>
               <a:ext uri="{FF2B5EF4-FFF2-40B4-BE49-F238E27FC236}">
-                <a16:creationId xmlns:a16="http://schemas.microsoft.com/office/drawing/2014/main" id="{4EB8BED0-DB29-72B2-593B-55B6CDA571A6}"/>
+                <a16:creationId xmlns:a16="http://schemas.microsoft.com/office/drawing/2014/main" id="{619F965C-BF6B-1221-723A-2740527A34EF}"/>
               </a:ext>
             </a:extLst>
           </p:cNvPr>
@@ -1862,7 +1862,7 @@
           <a:bodyPr/>
           <a:lstStyle/>
           <a:p>
-            <a:fld id="{D0B9BC91-0463-4667-8FE7-AB07A9741207}" type="slidenum">
+            <a:fld id="{0CF09E83-30C8-45B8-9183-30BD77BE4699}" type="slidenum">
               <a:rPr lang="zh-CN" altLang="en-US" smtClean="0"/>
               <a:t>‹#›</a:t>
             </a:fld>
@@ -1873,7 +1873,7 @@
     </p:spTree>
     <p:extLst>
       <p:ext uri="{BB962C8B-B14F-4D97-AF65-F5344CB8AC3E}">
-        <p14:creationId xmlns:p14="http://schemas.microsoft.com/office/powerpoint/2010/main" val="647781430"/>
+        <p14:creationId xmlns:p14="http://schemas.microsoft.com/office/powerpoint/2010/main" val="1413458239"/>
       </p:ext>
     </p:extLst>
   </p:cSld>
@@ -1905,7 +1905,7 @@
           <p:cNvPr id="2" name="标题 1">
             <a:extLst>
               <a:ext uri="{FF2B5EF4-FFF2-40B4-BE49-F238E27FC236}">
-                <a16:creationId xmlns:a16="http://schemas.microsoft.com/office/drawing/2014/main" id="{57D5163C-E896-C988-837C-413A305C854E}"/>
+                <a16:creationId xmlns:a16="http://schemas.microsoft.com/office/drawing/2014/main" id="{44B5B71E-36D7-0200-9A8F-8E7604B4D9EF}"/>
               </a:ext>
             </a:extLst>
           </p:cNvPr>
@@ -1933,7 +1933,7 @@
           <p:cNvPr id="3" name="日期占位符 2">
             <a:extLst>
               <a:ext uri="{FF2B5EF4-FFF2-40B4-BE49-F238E27FC236}">
-                <a16:creationId xmlns:a16="http://schemas.microsoft.com/office/drawing/2014/main" id="{9B2F203C-6E74-D30C-5FC7-8AE03834EDEF}"/>
+                <a16:creationId xmlns:a16="http://schemas.microsoft.com/office/drawing/2014/main" id="{D9134D24-CEE7-06FE-9FBF-BDD4C1AF1597}"/>
               </a:ext>
             </a:extLst>
           </p:cNvPr>
@@ -1949,7 +1949,7 @@
           <a:bodyPr/>
           <a:lstStyle/>
           <a:p>
-            <a:fld id="{37158917-93FC-4E56-80CB-A356AFA54884}" type="datetimeFigureOut">
+            <a:fld id="{B58EE509-D6C8-41E3-9143-8EF14E39E14B}" type="datetimeFigureOut">
               <a:rPr lang="zh-CN" altLang="en-US" smtClean="0"/>
               <a:t>2024/3/10</a:t>
             </a:fld>
@@ -1962,7 +1962,7 @@
           <p:cNvPr id="4" name="页脚占位符 3">
             <a:extLst>
               <a:ext uri="{FF2B5EF4-FFF2-40B4-BE49-F238E27FC236}">
-                <a16:creationId xmlns:a16="http://schemas.microsoft.com/office/drawing/2014/main" id="{27FD69EA-19FF-3173-04C5-0C97731141BB}"/>
+                <a16:creationId xmlns:a16="http://schemas.microsoft.com/office/drawing/2014/main" id="{E3C38F53-67E3-2670-F0DD-2CE1A542B79D}"/>
               </a:ext>
             </a:extLst>
           </p:cNvPr>
@@ -1987,7 +1987,7 @@
           <p:cNvPr id="5" name="灯片编号占位符 4">
             <a:extLst>
               <a:ext uri="{FF2B5EF4-FFF2-40B4-BE49-F238E27FC236}">
-                <a16:creationId xmlns:a16="http://schemas.microsoft.com/office/drawing/2014/main" id="{10720A47-BB5F-53E1-965A-E5AD421FD297}"/>
+                <a16:creationId xmlns:a16="http://schemas.microsoft.com/office/drawing/2014/main" id="{078765EA-0DF6-EB8F-5487-F6A25ED911EC}"/>
               </a:ext>
             </a:extLst>
           </p:cNvPr>
@@ -2003,7 +2003,7 @@
           <a:bodyPr/>
           <a:lstStyle/>
           <a:p>
-            <a:fld id="{D0B9BC91-0463-4667-8FE7-AB07A9741207}" type="slidenum">
+            <a:fld id="{0CF09E83-30C8-45B8-9183-30BD77BE4699}" type="slidenum">
               <a:rPr lang="zh-CN" altLang="en-US" smtClean="0"/>
               <a:t>‹#›</a:t>
             </a:fld>
@@ -2014,7 +2014,7 @@
     </p:spTree>
     <p:extLst>
       <p:ext uri="{BB962C8B-B14F-4D97-AF65-F5344CB8AC3E}">
-        <p14:creationId xmlns:p14="http://schemas.microsoft.com/office/powerpoint/2010/main" val="2408856071"/>
+        <p14:creationId xmlns:p14="http://schemas.microsoft.com/office/powerpoint/2010/main" val="2913786059"/>
       </p:ext>
     </p:extLst>
   </p:cSld>
@@ -2046,7 +2046,7 @@
           <p:cNvPr id="2" name="日期占位符 1">
             <a:extLst>
               <a:ext uri="{FF2B5EF4-FFF2-40B4-BE49-F238E27FC236}">
-                <a16:creationId xmlns:a16="http://schemas.microsoft.com/office/drawing/2014/main" id="{DA3A8E6C-9190-0101-43FA-420A01402920}"/>
+                <a16:creationId xmlns:a16="http://schemas.microsoft.com/office/drawing/2014/main" id="{A328A5D7-4EA1-B5FF-AA52-919FB2F01D4C}"/>
               </a:ext>
             </a:extLst>
           </p:cNvPr>
@@ -2062,7 +2062,7 @@
           <a:bodyPr/>
           <a:lstStyle/>
           <a:p>
-            <a:fld id="{37158917-93FC-4E56-80CB-A356AFA54884}" type="datetimeFigureOut">
+            <a:fld id="{B58EE509-D6C8-41E3-9143-8EF14E39E14B}" type="datetimeFigureOut">
               <a:rPr lang="zh-CN" altLang="en-US" smtClean="0"/>
               <a:t>2024/3/10</a:t>
             </a:fld>
@@ -2075,7 +2075,7 @@
           <p:cNvPr id="3" name="页脚占位符 2">
             <a:extLst>
               <a:ext uri="{FF2B5EF4-FFF2-40B4-BE49-F238E27FC236}">
-                <a16:creationId xmlns:a16="http://schemas.microsoft.com/office/drawing/2014/main" id="{85A2191D-CE9A-C3D2-318B-9171B4EBDC6C}"/>
+                <a16:creationId xmlns:a16="http://schemas.microsoft.com/office/drawing/2014/main" id="{D3DD2623-4212-E85E-DE74-635827621ED1}"/>
               </a:ext>
             </a:extLst>
           </p:cNvPr>
@@ -2100,7 +2100,7 @@
           <p:cNvPr id="4" name="灯片编号占位符 3">
             <a:extLst>
               <a:ext uri="{FF2B5EF4-FFF2-40B4-BE49-F238E27FC236}">
-                <a16:creationId xmlns:a16="http://schemas.microsoft.com/office/drawing/2014/main" id="{293B9150-2322-21DE-0AF9-A76D7A57EE7D}"/>
+                <a16:creationId xmlns:a16="http://schemas.microsoft.com/office/drawing/2014/main" id="{C6CE7E4B-A5D9-FF6B-79F4-DC768867DB75}"/>
               </a:ext>
             </a:extLst>
           </p:cNvPr>
@@ -2116,7 +2116,7 @@
           <a:bodyPr/>
           <a:lstStyle/>
           <a:p>
-            <a:fld id="{D0B9BC91-0463-4667-8FE7-AB07A9741207}" type="slidenum">
+            <a:fld id="{0CF09E83-30C8-45B8-9183-30BD77BE4699}" type="slidenum">
               <a:rPr lang="zh-CN" altLang="en-US" smtClean="0"/>
               <a:t>‹#›</a:t>
             </a:fld>
@@ -2127,7 +2127,7 @@
     </p:spTree>
     <p:extLst>
       <p:ext uri="{BB962C8B-B14F-4D97-AF65-F5344CB8AC3E}">
-        <p14:creationId xmlns:p14="http://schemas.microsoft.com/office/powerpoint/2010/main" val="3134107081"/>
+        <p14:creationId xmlns:p14="http://schemas.microsoft.com/office/powerpoint/2010/main" val="1237677246"/>
       </p:ext>
     </p:extLst>
   </p:cSld>
@@ -2159,7 +2159,7 @@
           <p:cNvPr id="2" name="标题 1">
             <a:extLst>
               <a:ext uri="{FF2B5EF4-FFF2-40B4-BE49-F238E27FC236}">
-                <a16:creationId xmlns:a16="http://schemas.microsoft.com/office/drawing/2014/main" id="{96DC85D1-D021-410E-5D4A-C8FE439CDAC0}"/>
+                <a16:creationId xmlns:a16="http://schemas.microsoft.com/office/drawing/2014/main" id="{D86AE3D5-36F3-BAF2-86E7-5583A36D4F78}"/>
               </a:ext>
             </a:extLst>
           </p:cNvPr>
@@ -2196,7 +2196,7 @@
           <p:cNvPr id="3" name="内容占位符 2">
             <a:extLst>
               <a:ext uri="{FF2B5EF4-FFF2-40B4-BE49-F238E27FC236}">
-                <a16:creationId xmlns:a16="http://schemas.microsoft.com/office/drawing/2014/main" id="{D35DCB7D-EE4F-BD95-6732-0F31113EA9CB}"/>
+                <a16:creationId xmlns:a16="http://schemas.microsoft.com/office/drawing/2014/main" id="{A32CF8F0-E94B-B06D-AFDA-336025422109}"/>
               </a:ext>
             </a:extLst>
           </p:cNvPr>
@@ -2286,7 +2286,7 @@
           <p:cNvPr id="4" name="文本占位符 3">
             <a:extLst>
               <a:ext uri="{FF2B5EF4-FFF2-40B4-BE49-F238E27FC236}">
-                <a16:creationId xmlns:a16="http://schemas.microsoft.com/office/drawing/2014/main" id="{5AE6CE6C-0F57-770F-3577-36BA126BD6EE}"/>
+                <a16:creationId xmlns:a16="http://schemas.microsoft.com/office/drawing/2014/main" id="{7643A4C9-E9ED-1B9B-65E6-35BB3DD5AA7D}"/>
               </a:ext>
             </a:extLst>
           </p:cNvPr>
@@ -2357,7 +2357,7 @@
           <p:cNvPr id="5" name="日期占位符 4">
             <a:extLst>
               <a:ext uri="{FF2B5EF4-FFF2-40B4-BE49-F238E27FC236}">
-                <a16:creationId xmlns:a16="http://schemas.microsoft.com/office/drawing/2014/main" id="{0D9103D3-8DC3-42B0-879F-D166A071203F}"/>
+                <a16:creationId xmlns:a16="http://schemas.microsoft.com/office/drawing/2014/main" id="{739F0DF8-4F19-71C9-715E-002384DFF84A}"/>
               </a:ext>
             </a:extLst>
           </p:cNvPr>
@@ -2373,7 +2373,7 @@
           <a:bodyPr/>
           <a:lstStyle/>
           <a:p>
-            <a:fld id="{37158917-93FC-4E56-80CB-A356AFA54884}" type="datetimeFigureOut">
+            <a:fld id="{B58EE509-D6C8-41E3-9143-8EF14E39E14B}" type="datetimeFigureOut">
               <a:rPr lang="zh-CN" altLang="en-US" smtClean="0"/>
               <a:t>2024/3/10</a:t>
             </a:fld>
@@ -2386,7 +2386,7 @@
           <p:cNvPr id="6" name="页脚占位符 5">
             <a:extLst>
               <a:ext uri="{FF2B5EF4-FFF2-40B4-BE49-F238E27FC236}">
-                <a16:creationId xmlns:a16="http://schemas.microsoft.com/office/drawing/2014/main" id="{3F8FE0C7-7F39-DE76-B73D-DB780A009D44}"/>
+                <a16:creationId xmlns:a16="http://schemas.microsoft.com/office/drawing/2014/main" id="{1D412D71-98A0-13F1-3FAB-D3D90BD7FC59}"/>
               </a:ext>
             </a:extLst>
           </p:cNvPr>
@@ -2411,7 +2411,7 @@
           <p:cNvPr id="7" name="灯片编号占位符 6">
             <a:extLst>
               <a:ext uri="{FF2B5EF4-FFF2-40B4-BE49-F238E27FC236}">
-                <a16:creationId xmlns:a16="http://schemas.microsoft.com/office/drawing/2014/main" id="{EBD68DD5-1186-F634-0515-77C55B608CDA}"/>
+                <a16:creationId xmlns:a16="http://schemas.microsoft.com/office/drawing/2014/main" id="{5477F9C5-D046-53C3-25C3-062A3D409495}"/>
               </a:ext>
             </a:extLst>
           </p:cNvPr>
@@ -2427,7 +2427,7 @@
           <a:bodyPr/>
           <a:lstStyle/>
           <a:p>
-            <a:fld id="{D0B9BC91-0463-4667-8FE7-AB07A9741207}" type="slidenum">
+            <a:fld id="{0CF09E83-30C8-45B8-9183-30BD77BE4699}" type="slidenum">
               <a:rPr lang="zh-CN" altLang="en-US" smtClean="0"/>
               <a:t>‹#›</a:t>
             </a:fld>
@@ -2438,7 +2438,7 @@
     </p:spTree>
     <p:extLst>
       <p:ext uri="{BB962C8B-B14F-4D97-AF65-F5344CB8AC3E}">
-        <p14:creationId xmlns:p14="http://schemas.microsoft.com/office/powerpoint/2010/main" val="4219144951"/>
+        <p14:creationId xmlns:p14="http://schemas.microsoft.com/office/powerpoint/2010/main" val="398623774"/>
       </p:ext>
     </p:extLst>
   </p:cSld>
@@ -2470,7 +2470,7 @@
           <p:cNvPr id="2" name="标题 1">
             <a:extLst>
               <a:ext uri="{FF2B5EF4-FFF2-40B4-BE49-F238E27FC236}">
-                <a16:creationId xmlns:a16="http://schemas.microsoft.com/office/drawing/2014/main" id="{DF26C39D-6FCB-05E6-F99A-C4E1F4206B9D}"/>
+                <a16:creationId xmlns:a16="http://schemas.microsoft.com/office/drawing/2014/main" id="{85BC5F9E-490F-A519-2D1C-4829EEC95B20}"/>
               </a:ext>
             </a:extLst>
           </p:cNvPr>
@@ -2507,7 +2507,7 @@
           <p:cNvPr id="3" name="图片占位符 2">
             <a:extLst>
               <a:ext uri="{FF2B5EF4-FFF2-40B4-BE49-F238E27FC236}">
-                <a16:creationId xmlns:a16="http://schemas.microsoft.com/office/drawing/2014/main" id="{47A40F03-3051-A1BB-5CD0-4A2990807A51}"/>
+                <a16:creationId xmlns:a16="http://schemas.microsoft.com/office/drawing/2014/main" id="{81DE4CFC-2635-D9DD-47B3-7E3EC7FC6438}"/>
               </a:ext>
             </a:extLst>
           </p:cNvPr>
@@ -2574,7 +2574,7 @@
           <p:cNvPr id="4" name="文本占位符 3">
             <a:extLst>
               <a:ext uri="{FF2B5EF4-FFF2-40B4-BE49-F238E27FC236}">
-                <a16:creationId xmlns:a16="http://schemas.microsoft.com/office/drawing/2014/main" id="{76209961-F2D0-B200-0968-BE9E2C0B0236}"/>
+                <a16:creationId xmlns:a16="http://schemas.microsoft.com/office/drawing/2014/main" id="{B3239739-C55D-2119-37E6-D77A8C722224}"/>
               </a:ext>
             </a:extLst>
           </p:cNvPr>
@@ -2645,7 +2645,7 @@
           <p:cNvPr id="5" name="日期占位符 4">
             <a:extLst>
               <a:ext uri="{FF2B5EF4-FFF2-40B4-BE49-F238E27FC236}">
-                <a16:creationId xmlns:a16="http://schemas.microsoft.com/office/drawing/2014/main" id="{A1F7FCA1-0E37-311B-BFA9-105105C79799}"/>
+                <a16:creationId xmlns:a16="http://schemas.microsoft.com/office/drawing/2014/main" id="{6D2217BB-5330-18AE-CC18-38968EF99DA5}"/>
               </a:ext>
             </a:extLst>
           </p:cNvPr>
@@ -2661,7 +2661,7 @@
           <a:bodyPr/>
           <a:lstStyle/>
           <a:p>
-            <a:fld id="{37158917-93FC-4E56-80CB-A356AFA54884}" type="datetimeFigureOut">
+            <a:fld id="{B58EE509-D6C8-41E3-9143-8EF14E39E14B}" type="datetimeFigureOut">
               <a:rPr lang="zh-CN" altLang="en-US" smtClean="0"/>
               <a:t>2024/3/10</a:t>
             </a:fld>
@@ -2674,7 +2674,7 @@
           <p:cNvPr id="6" name="页脚占位符 5">
             <a:extLst>
               <a:ext uri="{FF2B5EF4-FFF2-40B4-BE49-F238E27FC236}">
-                <a16:creationId xmlns:a16="http://schemas.microsoft.com/office/drawing/2014/main" id="{16A97C1F-F299-7C15-4B07-71A8626B407F}"/>
+                <a16:creationId xmlns:a16="http://schemas.microsoft.com/office/drawing/2014/main" id="{26847B6B-5053-E9B2-F321-F315FCE4FB74}"/>
               </a:ext>
             </a:extLst>
           </p:cNvPr>
@@ -2699,7 +2699,7 @@
           <p:cNvPr id="7" name="灯片编号占位符 6">
             <a:extLst>
               <a:ext uri="{FF2B5EF4-FFF2-40B4-BE49-F238E27FC236}">
-                <a16:creationId xmlns:a16="http://schemas.microsoft.com/office/drawing/2014/main" id="{017CB215-38F2-C855-6553-1EC0FDF53D95}"/>
+                <a16:creationId xmlns:a16="http://schemas.microsoft.com/office/drawing/2014/main" id="{EF7BE735-4885-C61E-598E-D8749CCCCFAB}"/>
               </a:ext>
             </a:extLst>
           </p:cNvPr>
@@ -2715,7 +2715,7 @@
           <a:bodyPr/>
           <a:lstStyle/>
           <a:p>
-            <a:fld id="{D0B9BC91-0463-4667-8FE7-AB07A9741207}" type="slidenum">
+            <a:fld id="{0CF09E83-30C8-45B8-9183-30BD77BE4699}" type="slidenum">
               <a:rPr lang="zh-CN" altLang="en-US" smtClean="0"/>
               <a:t>‹#›</a:t>
             </a:fld>
@@ -2726,7 +2726,7 @@
     </p:spTree>
     <p:extLst>
       <p:ext uri="{BB962C8B-B14F-4D97-AF65-F5344CB8AC3E}">
-        <p14:creationId xmlns:p14="http://schemas.microsoft.com/office/powerpoint/2010/main" val="1191808062"/>
+        <p14:creationId xmlns:p14="http://schemas.microsoft.com/office/powerpoint/2010/main" val="3712603562"/>
       </p:ext>
     </p:extLst>
   </p:cSld>
@@ -2763,7 +2763,7 @@
           <p:cNvPr id="2" name="标题占位符 1">
             <a:extLst>
               <a:ext uri="{FF2B5EF4-FFF2-40B4-BE49-F238E27FC236}">
-                <a16:creationId xmlns:a16="http://schemas.microsoft.com/office/drawing/2014/main" id="{D5D232E1-8F22-6D40-58E7-933EF5769965}"/>
+                <a16:creationId xmlns:a16="http://schemas.microsoft.com/office/drawing/2014/main" id="{30447E8D-3D74-117A-7460-B5E5E734167B}"/>
               </a:ext>
             </a:extLst>
           </p:cNvPr>
@@ -2801,7 +2801,7 @@
           <p:cNvPr id="3" name="文本占位符 2">
             <a:extLst>
               <a:ext uri="{FF2B5EF4-FFF2-40B4-BE49-F238E27FC236}">
-                <a16:creationId xmlns:a16="http://schemas.microsoft.com/office/drawing/2014/main" id="{99ADE2E7-5312-9F16-3707-19C46178BB4D}"/>
+                <a16:creationId xmlns:a16="http://schemas.microsoft.com/office/drawing/2014/main" id="{954F10CF-8D14-CAF2-8E9B-D9F0301FEBC4}"/>
               </a:ext>
             </a:extLst>
           </p:cNvPr>
@@ -2868,7 +2868,7 @@
           <p:cNvPr id="4" name="日期占位符 3">
             <a:extLst>
               <a:ext uri="{FF2B5EF4-FFF2-40B4-BE49-F238E27FC236}">
-                <a16:creationId xmlns:a16="http://schemas.microsoft.com/office/drawing/2014/main" id="{F8D0D6C2-C46E-B984-0BA1-A53D11C2FC74}"/>
+                <a16:creationId xmlns:a16="http://schemas.microsoft.com/office/drawing/2014/main" id="{D7632000-7469-4D8C-D674-7DD03C6B60B9}"/>
               </a:ext>
             </a:extLst>
           </p:cNvPr>
@@ -2902,7 +2902,7 @@
             </a:lvl1pPr>
           </a:lstStyle>
           <a:p>
-            <a:fld id="{37158917-93FC-4E56-80CB-A356AFA54884}" type="datetimeFigureOut">
+            <a:fld id="{B58EE509-D6C8-41E3-9143-8EF14E39E14B}" type="datetimeFigureOut">
               <a:rPr lang="zh-CN" altLang="en-US" smtClean="0"/>
               <a:t>2024/3/10</a:t>
             </a:fld>
@@ -2915,7 +2915,7 @@
           <p:cNvPr id="5" name="页脚占位符 4">
             <a:extLst>
               <a:ext uri="{FF2B5EF4-FFF2-40B4-BE49-F238E27FC236}">
-                <a16:creationId xmlns:a16="http://schemas.microsoft.com/office/drawing/2014/main" id="{818F005D-3485-6B87-70F3-44DDB4CFB433}"/>
+                <a16:creationId xmlns:a16="http://schemas.microsoft.com/office/drawing/2014/main" id="{AFF8396A-8B1D-4749-28BD-541284F66800}"/>
               </a:ext>
             </a:extLst>
           </p:cNvPr>
@@ -2958,7 +2958,7 @@
           <p:cNvPr id="6" name="灯片编号占位符 5">
             <a:extLst>
               <a:ext uri="{FF2B5EF4-FFF2-40B4-BE49-F238E27FC236}">
-                <a16:creationId xmlns:a16="http://schemas.microsoft.com/office/drawing/2014/main" id="{AA7FFE13-3AF3-3CF0-3AE4-3B54FB689617}"/>
+                <a16:creationId xmlns:a16="http://schemas.microsoft.com/office/drawing/2014/main" id="{3C059897-D8D9-D4EF-821B-B001295D25F1}"/>
               </a:ext>
             </a:extLst>
           </p:cNvPr>
@@ -2992,7 +2992,7 @@
             </a:lvl1pPr>
           </a:lstStyle>
           <a:p>
-            <a:fld id="{D0B9BC91-0463-4667-8FE7-AB07A9741207}" type="slidenum">
+            <a:fld id="{0CF09E83-30C8-45B8-9183-30BD77BE4699}" type="slidenum">
               <a:rPr lang="zh-CN" altLang="en-US" smtClean="0"/>
               <a:t>‹#›</a:t>
             </a:fld>
@@ -3003,7 +3003,7 @@
     </p:spTree>
     <p:extLst>
       <p:ext uri="{BB962C8B-B14F-4D97-AF65-F5344CB8AC3E}">
-        <p14:creationId xmlns:p14="http://schemas.microsoft.com/office/powerpoint/2010/main" val="3194732134"/>
+        <p14:creationId xmlns:p14="http://schemas.microsoft.com/office/powerpoint/2010/main" val="2749940887"/>
       </p:ext>
     </p:extLst>
   </p:cSld>
